--- a/Pitch.pptx
+++ b/Pitch.pptx
@@ -5,7 +5,7 @@
     <p:sldMasterId id="2147483648" r:id="rId1"/>
   </p:sldMasterIdLst>
   <p:notesMasterIdLst>
-    <p:notesMasterId r:id="rId18"/>
+    <p:notesMasterId r:id="rId13"/>
   </p:notesMasterIdLst>
   <p:sldIdLst>
     <p:sldId id="256" r:id="rId2"/>
@@ -13,17 +13,12 @@
     <p:sldId id="261" r:id="rId4"/>
     <p:sldId id="259" r:id="rId5"/>
     <p:sldId id="260" r:id="rId6"/>
-    <p:sldId id="262" r:id="rId7"/>
-    <p:sldId id="265" r:id="rId8"/>
-    <p:sldId id="263" r:id="rId9"/>
-    <p:sldId id="264" r:id="rId10"/>
-    <p:sldId id="266" r:id="rId11"/>
-    <p:sldId id="273" r:id="rId12"/>
-    <p:sldId id="267" r:id="rId13"/>
-    <p:sldId id="268" r:id="rId14"/>
-    <p:sldId id="269" r:id="rId15"/>
-    <p:sldId id="270" r:id="rId16"/>
-    <p:sldId id="271" r:id="rId17"/>
+    <p:sldId id="265" r:id="rId7"/>
+    <p:sldId id="263" r:id="rId8"/>
+    <p:sldId id="264" r:id="rId9"/>
+    <p:sldId id="266" r:id="rId10"/>
+    <p:sldId id="273" r:id="rId11"/>
+    <p:sldId id="267" r:id="rId12"/>
   </p:sldIdLst>
   <p:sldSz cx="12192000" cy="6858000"/>
   <p:notesSz cx="6858000" cy="9144000"/>
@@ -1459,10 +1454,10 @@
     <dgm:cxn modelId="{30220235-53D4-4836-8333-2627774E64E5}" srcId="{8D715D49-3E9F-4EFB-97A3-DFF6F067F18D}" destId="{57EC5DB0-9B80-4CF5-B6A3-8229AA73337B}" srcOrd="1" destOrd="0" parTransId="{25252E2E-AC04-4F34-A412-902E8936083B}" sibTransId="{AAF93A87-785B-4835-B3E1-143134DB78F7}"/>
     <dgm:cxn modelId="{32E88B3A-A041-4048-9392-5C99A78BD9A2}" type="presOf" srcId="{C72A9200-DB41-42B7-B5B1-0948472C02BA}" destId="{A9F61DCB-637D-4387-9D09-B1C5F1BE6611}" srcOrd="0" destOrd="0" presId="urn:microsoft.com/office/officeart/2009/layout/CirclePictureHierarchy"/>
     <dgm:cxn modelId="{7A9A6C3D-9480-4D06-8882-7D4DEDEF332D}" srcId="{FF804DAE-FBAE-49D0-B7E9-E5787601C0F3}" destId="{59C34143-EC6A-4A27-BAE1-38881376CB98}" srcOrd="0" destOrd="0" parTransId="{4961DEDA-8E15-4721-A9C8-099AA2206392}" sibTransId="{00A128CB-5B51-4A8C-8DE2-759346E5C5EC}"/>
-    <dgm:cxn modelId="{9D4CCD51-CA1F-46A0-B363-DAF6A69C34ED}" type="presOf" srcId="{D2C6017D-E8AA-410F-9F56-85335FED34CF}" destId="{DDBDA2E0-9D80-4526-B688-E5079F0BFDCD}" srcOrd="0" destOrd="0" presId="urn:microsoft.com/office/officeart/2009/layout/CirclePictureHierarchy"/>
     <dgm:cxn modelId="{0237465E-3D6E-453F-8381-B1C853E4C46E}" type="presOf" srcId="{25252E2E-AC04-4F34-A412-902E8936083B}" destId="{34EB5144-254A-4855-B004-F5160AD6B00B}" srcOrd="0" destOrd="0" presId="urn:microsoft.com/office/officeart/2009/layout/CirclePictureHierarchy"/>
     <dgm:cxn modelId="{5096A760-64B5-4313-9206-46715F3CDEAB}" srcId="{37622AC8-0698-4405-BE7F-462341630420}" destId="{B9EEDFAC-2B0B-48B0-A9EE-67DE760FF9A5}" srcOrd="0" destOrd="0" parTransId="{C4A843A1-F21C-48DB-856A-A2F4855CA42E}" sibTransId="{440A95C1-E32B-4CA3-B9A2-8A0DA8171583}"/>
     <dgm:cxn modelId="{068AA366-0990-497B-9A58-B6ED0E96BC4E}" srcId="{FF804DAE-FBAE-49D0-B7E9-E5787601C0F3}" destId="{A0524E0B-02FF-44EA-A794-72CCF836EEE6}" srcOrd="1" destOrd="0" parTransId="{163136C6-C311-4707-B963-B383A0EED8E0}" sibTransId="{53031443-ACD5-4AB1-ABEB-736C4029066D}"/>
+    <dgm:cxn modelId="{9D4CCD51-CA1F-46A0-B363-DAF6A69C34ED}" type="presOf" srcId="{D2C6017D-E8AA-410F-9F56-85335FED34CF}" destId="{DDBDA2E0-9D80-4526-B688-E5079F0BFDCD}" srcOrd="0" destOrd="0" presId="urn:microsoft.com/office/officeart/2009/layout/CirclePictureHierarchy"/>
     <dgm:cxn modelId="{C5A13194-702C-4876-B684-DC8DA4CCC308}" type="presOf" srcId="{4961DEDA-8E15-4721-A9C8-099AA2206392}" destId="{9BA12E79-579F-4325-80BC-0DD8C5BC7599}" srcOrd="0" destOrd="0" presId="urn:microsoft.com/office/officeart/2009/layout/CirclePictureHierarchy"/>
     <dgm:cxn modelId="{80E24F94-1121-4E48-9413-DA905BA9855A}" type="presOf" srcId="{8D715D49-3E9F-4EFB-97A3-DFF6F067F18D}" destId="{833F2191-0484-4AE0-AC33-1D5A894EFA42}" srcOrd="0" destOrd="0" presId="urn:microsoft.com/office/officeart/2009/layout/CirclePictureHierarchy"/>
     <dgm:cxn modelId="{65455B98-AC7A-4DCE-BF78-B94DFF98460E}" type="presOf" srcId="{FF804DAE-FBAE-49D0-B7E9-E5787601C0F3}" destId="{5381501E-F917-4BF6-A3FD-F7499035334D}" srcOrd="0" destOrd="0" presId="urn:microsoft.com/office/officeart/2009/layout/CirclePictureHierarchy"/>
@@ -4396,7 +4391,7 @@
           <a:p>
             <a:fld id="{789DD4AD-8C1C-42C2-B17B-46E666E4EBC2}" type="datetimeFigureOut">
               <a:rPr lang="en-GB" smtClean="0"/>
-              <a:t>11/02/2019</a:t>
+              <a:t>12/02/2019</a:t>
             </a:fld>
             <a:endParaRPr lang="en-GB"/>
           </a:p>
@@ -4813,7 +4808,7 @@
           <a:p>
             <a:fld id="{FBCA997C-D213-4714-A6E5-7B89EAFC34AA}" type="datetimeFigureOut">
               <a:rPr lang="en-GB" smtClean="0"/>
-              <a:t>11/02/2019</a:t>
+              <a:t>12/02/2019</a:t>
             </a:fld>
             <a:endParaRPr lang="en-GB"/>
           </a:p>
@@ -5013,7 +5008,7 @@
           <a:p>
             <a:fld id="{FBCA997C-D213-4714-A6E5-7B89EAFC34AA}" type="datetimeFigureOut">
               <a:rPr lang="en-GB" smtClean="0"/>
-              <a:t>11/02/2019</a:t>
+              <a:t>12/02/2019</a:t>
             </a:fld>
             <a:endParaRPr lang="en-GB"/>
           </a:p>
@@ -5223,7 +5218,7 @@
           <a:p>
             <a:fld id="{FBCA997C-D213-4714-A6E5-7B89EAFC34AA}" type="datetimeFigureOut">
               <a:rPr lang="en-GB" smtClean="0"/>
-              <a:t>11/02/2019</a:t>
+              <a:t>12/02/2019</a:t>
             </a:fld>
             <a:endParaRPr lang="en-GB"/>
           </a:p>
@@ -5423,7 +5418,7 @@
           <a:p>
             <a:fld id="{FBCA997C-D213-4714-A6E5-7B89EAFC34AA}" type="datetimeFigureOut">
               <a:rPr lang="en-GB" smtClean="0"/>
-              <a:t>11/02/2019</a:t>
+              <a:t>12/02/2019</a:t>
             </a:fld>
             <a:endParaRPr lang="en-GB"/>
           </a:p>
@@ -5699,7 +5694,7 @@
           <a:p>
             <a:fld id="{FBCA997C-D213-4714-A6E5-7B89EAFC34AA}" type="datetimeFigureOut">
               <a:rPr lang="en-GB" smtClean="0"/>
-              <a:t>11/02/2019</a:t>
+              <a:t>12/02/2019</a:t>
             </a:fld>
             <a:endParaRPr lang="en-GB"/>
           </a:p>
@@ -5967,7 +5962,7 @@
           <a:p>
             <a:fld id="{FBCA997C-D213-4714-A6E5-7B89EAFC34AA}" type="datetimeFigureOut">
               <a:rPr lang="en-GB" smtClean="0"/>
-              <a:t>11/02/2019</a:t>
+              <a:t>12/02/2019</a:t>
             </a:fld>
             <a:endParaRPr lang="en-GB"/>
           </a:p>
@@ -6382,7 +6377,7 @@
           <a:p>
             <a:fld id="{FBCA997C-D213-4714-A6E5-7B89EAFC34AA}" type="datetimeFigureOut">
               <a:rPr lang="en-GB" smtClean="0"/>
-              <a:t>11/02/2019</a:t>
+              <a:t>12/02/2019</a:t>
             </a:fld>
             <a:endParaRPr lang="en-GB"/>
           </a:p>
@@ -6524,7 +6519,7 @@
           <a:p>
             <a:fld id="{FBCA997C-D213-4714-A6E5-7B89EAFC34AA}" type="datetimeFigureOut">
               <a:rPr lang="en-GB" smtClean="0"/>
-              <a:t>11/02/2019</a:t>
+              <a:t>12/02/2019</a:t>
             </a:fld>
             <a:endParaRPr lang="en-GB"/>
           </a:p>
@@ -6637,7 +6632,7 @@
           <a:p>
             <a:fld id="{FBCA997C-D213-4714-A6E5-7B89EAFC34AA}" type="datetimeFigureOut">
               <a:rPr lang="en-GB" smtClean="0"/>
-              <a:t>11/02/2019</a:t>
+              <a:t>12/02/2019</a:t>
             </a:fld>
             <a:endParaRPr lang="en-GB"/>
           </a:p>
@@ -6950,7 +6945,7 @@
           <a:p>
             <a:fld id="{FBCA997C-D213-4714-A6E5-7B89EAFC34AA}" type="datetimeFigureOut">
               <a:rPr lang="en-GB" smtClean="0"/>
-              <a:t>11/02/2019</a:t>
+              <a:t>12/02/2019</a:t>
             </a:fld>
             <a:endParaRPr lang="en-GB"/>
           </a:p>
@@ -7239,7 +7234,7 @@
           <a:p>
             <a:fld id="{FBCA997C-D213-4714-A6E5-7B89EAFC34AA}" type="datetimeFigureOut">
               <a:rPr lang="en-GB" smtClean="0"/>
-              <a:t>11/02/2019</a:t>
+              <a:t>12/02/2019</a:t>
             </a:fld>
             <a:endParaRPr lang="en-GB"/>
           </a:p>
@@ -7482,7 +7477,7 @@
           <a:p>
             <a:fld id="{FBCA997C-D213-4714-A6E5-7B89EAFC34AA}" type="datetimeFigureOut">
               <a:rPr lang="en-GB" smtClean="0"/>
-              <a:t>11/02/2019</a:t>
+              <a:t>12/02/2019</a:t>
             </a:fld>
             <a:endParaRPr lang="en-GB"/>
           </a:p>
@@ -8381,917 +8376,6 @@
 </file>
 
 <file path=ppt/slides/slide10.xml><?xml version="1.0" encoding="utf-8"?>
-<p:sld xmlns:a="http://schemas.openxmlformats.org/drawingml/2006/main" xmlns:r="http://schemas.openxmlformats.org/officeDocument/2006/relationships" xmlns:p="http://schemas.openxmlformats.org/presentationml/2006/main">
-  <p:cSld>
-    <p:bg>
-      <p:bgPr>
-        <a:blipFill dpi="0" rotWithShape="1">
-          <a:blip r:embed="rId2">
-            <a:alphaModFix amt="18000"/>
-            <a:lum/>
-          </a:blip>
-          <a:srcRect/>
-          <a:stretch>
-            <a:fillRect l="-4000" r="-4000"/>
-          </a:stretch>
-        </a:blipFill>
-        <a:effectLst/>
-      </p:bgPr>
-    </p:bg>
-    <p:spTree>
-      <p:nvGrpSpPr>
-        <p:cNvPr id="1" name=""/>
-        <p:cNvGrpSpPr/>
-        <p:nvPr/>
-      </p:nvGrpSpPr>
-      <p:grpSpPr>
-        <a:xfrm>
-          <a:off x="0" y="0"/>
-          <a:ext cx="0" cy="0"/>
-          <a:chOff x="0" y="0"/>
-          <a:chExt cx="0" cy="0"/>
-        </a:xfrm>
-      </p:grpSpPr>
-      <p:sp>
-        <p:nvSpPr>
-          <p:cNvPr id="3" name="CasellaDiTesto 2">
-            <a:extLst>
-              <a:ext uri="{FF2B5EF4-FFF2-40B4-BE49-F238E27FC236}">
-                <a16:creationId xmlns:a16="http://schemas.microsoft.com/office/drawing/2014/main" id="{969145AC-AC19-418D-BBA5-256252453ABC}"/>
-              </a:ext>
-            </a:extLst>
-          </p:cNvPr>
-          <p:cNvSpPr txBox="1"/>
-          <p:nvPr/>
-        </p:nvSpPr>
-        <p:spPr>
-          <a:xfrm>
-            <a:off x="2959658" y="427227"/>
-            <a:ext cx="6272679" cy="707886"/>
-          </a:xfrm>
-          <a:prstGeom prst="rect">
-            <a:avLst/>
-          </a:prstGeom>
-          <a:noFill/>
-        </p:spPr>
-        <p:txBody>
-          <a:bodyPr wrap="none" rtlCol="0">
-            <a:spAutoFit/>
-          </a:bodyPr>
-          <a:lstStyle/>
-          <a:p>
-            <a:r>
-              <a:rPr lang="it-IT" sz="4000" dirty="0"/>
-              <a:t>No </a:t>
-            </a:r>
-            <a:r>
-              <a:rPr lang="it-IT" sz="4000" dirty="0" err="1"/>
-              <a:t>Repeater</a:t>
-            </a:r>
-            <a:r>
-              <a:rPr lang="it-IT" sz="4000" dirty="0"/>
-              <a:t>, No </a:t>
-            </a:r>
-            <a:r>
-              <a:rPr lang="it-IT" sz="4000" dirty="0" err="1"/>
-              <a:t>Interference</a:t>
-            </a:r>
-            <a:endParaRPr lang="en-GB" sz="4000" dirty="0"/>
-          </a:p>
-        </p:txBody>
-      </p:sp>
-      <p:graphicFrame>
-        <p:nvGraphicFramePr>
-          <p:cNvPr id="4" name="Tabella 3">
-            <a:extLst>
-              <a:ext uri="{FF2B5EF4-FFF2-40B4-BE49-F238E27FC236}">
-                <a16:creationId xmlns:a16="http://schemas.microsoft.com/office/drawing/2014/main" id="{D3900DDE-5D75-40C5-8903-2A73A6CA5957}"/>
-              </a:ext>
-            </a:extLst>
-          </p:cNvPr>
-          <p:cNvGraphicFramePr>
-            <a:graphicFrameLocks noGrp="1"/>
-          </p:cNvGraphicFramePr>
-          <p:nvPr>
-            <p:extLst>
-              <p:ext uri="{D42A27DB-BD31-4B8C-83A1-F6EECF244321}">
-                <p14:modId xmlns:p14="http://schemas.microsoft.com/office/powerpoint/2010/main" val="1550817128"/>
-              </p:ext>
-            </p:extLst>
-          </p:nvPr>
-        </p:nvGraphicFramePr>
-        <p:xfrm>
-          <a:off x="2438398" y="1428238"/>
-          <a:ext cx="7315200" cy="1854200"/>
-        </p:xfrm>
-        <a:graphic>
-          <a:graphicData uri="http://schemas.openxmlformats.org/drawingml/2006/table">
-            <a:tbl>
-              <a:tblPr firstRow="1" bandRow="1">
-                <a:tableStyleId>{21E4AEA4-8DFA-4A89-87EB-49C32662AFE0}</a:tableStyleId>
-              </a:tblPr>
-              <a:tblGrid>
-                <a:gridCol w="2438400">
-                  <a:extLst>
-                    <a:ext uri="{9D8B030D-6E8A-4147-A177-3AD203B41FA5}">
-                      <a16:colId xmlns:a16="http://schemas.microsoft.com/office/drawing/2014/main" val="686818203"/>
-                    </a:ext>
-                  </a:extLst>
-                </a:gridCol>
-                <a:gridCol w="2438400">
-                  <a:extLst>
-                    <a:ext uri="{9D8B030D-6E8A-4147-A177-3AD203B41FA5}">
-                      <a16:colId xmlns:a16="http://schemas.microsoft.com/office/drawing/2014/main" val="1071823177"/>
-                    </a:ext>
-                  </a:extLst>
-                </a:gridCol>
-                <a:gridCol w="2438400">
-                  <a:extLst>
-                    <a:ext uri="{9D8B030D-6E8A-4147-A177-3AD203B41FA5}">
-                      <a16:colId xmlns:a16="http://schemas.microsoft.com/office/drawing/2014/main" val="2534871808"/>
-                    </a:ext>
-                  </a:extLst>
-                </a:gridCol>
-              </a:tblGrid>
-              <a:tr h="370840">
-                <a:tc>
-                  <a:txBody>
-                    <a:bodyPr/>
-                    <a:lstStyle/>
-                    <a:p>
-                      <a:pPr algn="ctr"/>
-                      <a:endParaRPr lang="en-GB" dirty="0"/>
-                    </a:p>
-                  </a:txBody>
-                  <a:tcPr/>
-                </a:tc>
-                <a:tc>
-                  <a:txBody>
-                    <a:bodyPr/>
-                    <a:lstStyle/>
-                    <a:p>
-                      <a:pPr algn="ctr"/>
-                      <a:r>
-                        <a:rPr lang="it-IT" dirty="0" err="1"/>
-                        <a:t>Packet</a:t>
-                      </a:r>
-                      <a:r>
-                        <a:rPr lang="it-IT" dirty="0"/>
-                        <a:t> </a:t>
-                      </a:r>
-                      <a:r>
-                        <a:rPr lang="it-IT" dirty="0" err="1"/>
-                        <a:t>Loss</a:t>
-                      </a:r>
-                      <a:r>
-                        <a:rPr lang="it-IT" dirty="0"/>
-                        <a:t> (%</a:t>
-                      </a:r>
-                      <a:r>
-                        <a:rPr lang="it-IT" dirty="0" err="1"/>
-                        <a:t>received</a:t>
-                      </a:r>
-                      <a:r>
-                        <a:rPr lang="it-IT" dirty="0"/>
-                        <a:t>)</a:t>
-                      </a:r>
-                      <a:endParaRPr lang="en-GB" dirty="0"/>
-                    </a:p>
-                  </a:txBody>
-                  <a:tcPr/>
-                </a:tc>
-                <a:tc>
-                  <a:txBody>
-                    <a:bodyPr/>
-                    <a:lstStyle/>
-                    <a:p>
-                      <a:pPr algn="ctr"/>
-                      <a:r>
-                        <a:rPr lang="it-IT" dirty="0" err="1"/>
-                        <a:t>Min</a:t>
-                      </a:r>
-                      <a:r>
-                        <a:rPr lang="it-IT" dirty="0"/>
-                        <a:t> LQI (</a:t>
-                      </a:r>
-                      <a:r>
-                        <a:rPr lang="it-IT" dirty="0" err="1"/>
-                        <a:t>dBm</a:t>
-                      </a:r>
-                      <a:r>
-                        <a:rPr lang="it-IT" dirty="0"/>
-                        <a:t>)</a:t>
-                      </a:r>
-                      <a:endParaRPr lang="en-GB" dirty="0"/>
-                    </a:p>
-                  </a:txBody>
-                  <a:tcPr/>
-                </a:tc>
-                <a:extLst>
-                  <a:ext uri="{0D108BD9-81ED-4DB2-BD59-A6C34878D82A}">
-                    <a16:rowId xmlns:a16="http://schemas.microsoft.com/office/drawing/2014/main" val="243457460"/>
-                  </a:ext>
-                </a:extLst>
-              </a:tr>
-              <a:tr h="370840">
-                <a:tc>
-                  <a:txBody>
-                    <a:bodyPr/>
-                    <a:lstStyle/>
-                    <a:p>
-                      <a:pPr algn="ctr"/>
-                      <a:r>
-                        <a:rPr lang="it-IT" dirty="0"/>
-                        <a:t>Engine Room</a:t>
-                      </a:r>
-                      <a:endParaRPr lang="en-GB" dirty="0"/>
-                    </a:p>
-                  </a:txBody>
-                  <a:tcPr/>
-                </a:tc>
-                <a:tc>
-                  <a:txBody>
-                    <a:bodyPr/>
-                    <a:lstStyle/>
-                    <a:p>
-                      <a:pPr algn="ctr"/>
-                      <a:r>
-                        <a:rPr lang="it-IT" dirty="0"/>
-                        <a:t>9989/10000</a:t>
-                      </a:r>
-                      <a:endParaRPr lang="en-GB" dirty="0"/>
-                    </a:p>
-                  </a:txBody>
-                  <a:tcPr/>
-                </a:tc>
-                <a:tc>
-                  <a:txBody>
-                    <a:bodyPr/>
-                    <a:lstStyle/>
-                    <a:p>
-                      <a:pPr algn="ctr"/>
-                      <a:r>
-                        <a:rPr lang="it-IT" dirty="0"/>
-                        <a:t>-72</a:t>
-                      </a:r>
-                      <a:endParaRPr lang="en-GB" dirty="0"/>
-                    </a:p>
-                  </a:txBody>
-                  <a:tcPr/>
-                </a:tc>
-                <a:extLst>
-                  <a:ext uri="{0D108BD9-81ED-4DB2-BD59-A6C34878D82A}">
-                    <a16:rowId xmlns:a16="http://schemas.microsoft.com/office/drawing/2014/main" val="3654697704"/>
-                  </a:ext>
-                </a:extLst>
-              </a:tr>
-              <a:tr h="370840">
-                <a:tc>
-                  <a:txBody>
-                    <a:bodyPr/>
-                    <a:lstStyle/>
-                    <a:p>
-                      <a:pPr algn="ctr"/>
-                      <a:r>
-                        <a:rPr lang="it-IT" dirty="0" err="1"/>
-                        <a:t>Bow</a:t>
-                      </a:r>
-                      <a:endParaRPr lang="en-GB" dirty="0"/>
-                    </a:p>
-                  </a:txBody>
-                  <a:tcPr/>
-                </a:tc>
-                <a:tc>
-                  <a:txBody>
-                    <a:bodyPr/>
-                    <a:lstStyle/>
-                    <a:p>
-                      <a:pPr marL="0" marR="0" lvl="0" indent="0" algn="ctr" defTabSz="914400" rtl="0" eaLnBrk="1" fontAlgn="auto" latinLnBrk="0" hangingPunct="1">
-                        <a:lnSpc>
-                          <a:spcPct val="100000"/>
-                        </a:lnSpc>
-                        <a:spcBef>
-                          <a:spcPts val="0"/>
-                        </a:spcBef>
-                        <a:spcAft>
-                          <a:spcPts val="0"/>
-                        </a:spcAft>
-                        <a:buClrTx/>
-                        <a:buSzTx/>
-                        <a:buFontTx/>
-                        <a:buNone/>
-                        <a:tabLst/>
-                        <a:defRPr/>
-                      </a:pPr>
-                      <a:r>
-                        <a:rPr lang="it-IT" dirty="0"/>
-                        <a:t>9822/10000</a:t>
-                      </a:r>
-                      <a:endParaRPr lang="en-GB" dirty="0"/>
-                    </a:p>
-                  </a:txBody>
-                  <a:tcPr/>
-                </a:tc>
-                <a:tc>
-                  <a:txBody>
-                    <a:bodyPr/>
-                    <a:lstStyle/>
-                    <a:p>
-                      <a:pPr algn="ctr"/>
-                      <a:r>
-                        <a:rPr lang="it-IT" dirty="0"/>
-                        <a:t>-79</a:t>
-                      </a:r>
-                      <a:endParaRPr lang="en-GB" dirty="0"/>
-                    </a:p>
-                  </a:txBody>
-                  <a:tcPr/>
-                </a:tc>
-                <a:extLst>
-                  <a:ext uri="{0D108BD9-81ED-4DB2-BD59-A6C34878D82A}">
-                    <a16:rowId xmlns:a16="http://schemas.microsoft.com/office/drawing/2014/main" val="961290905"/>
-                  </a:ext>
-                </a:extLst>
-              </a:tr>
-              <a:tr h="370840">
-                <a:tc>
-                  <a:txBody>
-                    <a:bodyPr/>
-                    <a:lstStyle/>
-                    <a:p>
-                      <a:pPr algn="ctr"/>
-                      <a:r>
-                        <a:rPr lang="it-IT" dirty="0" err="1"/>
-                        <a:t>Aft</a:t>
-                      </a:r>
-                      <a:endParaRPr lang="en-GB" dirty="0"/>
-                    </a:p>
-                  </a:txBody>
-                  <a:tcPr/>
-                </a:tc>
-                <a:tc>
-                  <a:txBody>
-                    <a:bodyPr/>
-                    <a:lstStyle/>
-                    <a:p>
-                      <a:pPr algn="ctr"/>
-                      <a:r>
-                        <a:rPr lang="it-IT" dirty="0"/>
-                        <a:t>9764/10000</a:t>
-                      </a:r>
-                      <a:endParaRPr lang="en-GB" dirty="0"/>
-                    </a:p>
-                  </a:txBody>
-                  <a:tcPr/>
-                </a:tc>
-                <a:tc>
-                  <a:txBody>
-                    <a:bodyPr/>
-                    <a:lstStyle/>
-                    <a:p>
-                      <a:pPr algn="ctr"/>
-                      <a:r>
-                        <a:rPr lang="it-IT" dirty="0"/>
-                        <a:t>-84</a:t>
-                      </a:r>
-                      <a:endParaRPr lang="en-GB" dirty="0"/>
-                    </a:p>
-                  </a:txBody>
-                  <a:tcPr/>
-                </a:tc>
-                <a:extLst>
-                  <a:ext uri="{0D108BD9-81ED-4DB2-BD59-A6C34878D82A}">
-                    <a16:rowId xmlns:a16="http://schemas.microsoft.com/office/drawing/2014/main" val="1894406212"/>
-                  </a:ext>
-                </a:extLst>
-              </a:tr>
-              <a:tr h="370840">
-                <a:tc>
-                  <a:txBody>
-                    <a:bodyPr/>
-                    <a:lstStyle/>
-                    <a:p>
-                      <a:pPr algn="ctr"/>
-                      <a:r>
-                        <a:rPr lang="it-IT" dirty="0" err="1"/>
-                        <a:t>Starboard</a:t>
-                      </a:r>
-                      <a:r>
-                        <a:rPr lang="it-IT" dirty="0"/>
-                        <a:t> </a:t>
-                      </a:r>
-                      <a:r>
-                        <a:rPr lang="it-IT" dirty="0" err="1"/>
-                        <a:t>Rail</a:t>
-                      </a:r>
-                      <a:endParaRPr lang="en-GB" dirty="0"/>
-                    </a:p>
-                  </a:txBody>
-                  <a:tcPr/>
-                </a:tc>
-                <a:tc>
-                  <a:txBody>
-                    <a:bodyPr/>
-                    <a:lstStyle/>
-                    <a:p>
-                      <a:pPr marL="0" marR="0" lvl="0" indent="0" algn="ctr" defTabSz="914400" rtl="0" eaLnBrk="1" fontAlgn="auto" latinLnBrk="0" hangingPunct="1">
-                        <a:lnSpc>
-                          <a:spcPct val="100000"/>
-                        </a:lnSpc>
-                        <a:spcBef>
-                          <a:spcPts val="0"/>
-                        </a:spcBef>
-                        <a:spcAft>
-                          <a:spcPts val="0"/>
-                        </a:spcAft>
-                        <a:buClrTx/>
-                        <a:buSzTx/>
-                        <a:buFontTx/>
-                        <a:buNone/>
-                        <a:tabLst/>
-                        <a:defRPr/>
-                      </a:pPr>
-                      <a:r>
-                        <a:rPr lang="it-IT" dirty="0"/>
-                        <a:t>9271/10000</a:t>
-                      </a:r>
-                      <a:endParaRPr lang="en-GB" dirty="0"/>
-                    </a:p>
-                  </a:txBody>
-                  <a:tcPr/>
-                </a:tc>
-                <a:tc>
-                  <a:txBody>
-                    <a:bodyPr/>
-                    <a:lstStyle/>
-                    <a:p>
-                      <a:pPr algn="ctr"/>
-                      <a:r>
-                        <a:rPr lang="it-IT" dirty="0"/>
-                        <a:t>-81</a:t>
-                      </a:r>
-                      <a:endParaRPr lang="en-GB" dirty="0"/>
-                    </a:p>
-                  </a:txBody>
-                  <a:tcPr/>
-                </a:tc>
-                <a:extLst>
-                  <a:ext uri="{0D108BD9-81ED-4DB2-BD59-A6C34878D82A}">
-                    <a16:rowId xmlns:a16="http://schemas.microsoft.com/office/drawing/2014/main" val="2261516755"/>
-                  </a:ext>
-                </a:extLst>
-              </a:tr>
-            </a:tbl>
-          </a:graphicData>
-        </a:graphic>
-      </p:graphicFrame>
-      <p:sp>
-        <p:nvSpPr>
-          <p:cNvPr id="5" name="CasellaDiTesto 4">
-            <a:extLst>
-              <a:ext uri="{FF2B5EF4-FFF2-40B4-BE49-F238E27FC236}">
-                <a16:creationId xmlns:a16="http://schemas.microsoft.com/office/drawing/2014/main" id="{F34F6651-B8DC-4DE9-9C86-96A9A3E2D398}"/>
-              </a:ext>
-            </a:extLst>
-          </p:cNvPr>
-          <p:cNvSpPr txBox="1"/>
-          <p:nvPr/>
-        </p:nvSpPr>
-        <p:spPr>
-          <a:xfrm>
-            <a:off x="3318733" y="3575563"/>
-            <a:ext cx="5554534" cy="707886"/>
-          </a:xfrm>
-          <a:prstGeom prst="rect">
-            <a:avLst/>
-          </a:prstGeom>
-          <a:noFill/>
-        </p:spPr>
-        <p:txBody>
-          <a:bodyPr wrap="none" rtlCol="0">
-            <a:spAutoFit/>
-          </a:bodyPr>
-          <a:lstStyle/>
-          <a:p>
-            <a:r>
-              <a:rPr lang="it-IT" sz="4000" dirty="0"/>
-              <a:t>No </a:t>
-            </a:r>
-            <a:r>
-              <a:rPr lang="it-IT" sz="4000" dirty="0" err="1"/>
-              <a:t>Repeater</a:t>
-            </a:r>
-            <a:r>
-              <a:rPr lang="it-IT" sz="4000" dirty="0"/>
-              <a:t>, </a:t>
-            </a:r>
-            <a:r>
-              <a:rPr lang="it-IT" sz="4000" dirty="0" err="1"/>
-              <a:t>Interference</a:t>
-            </a:r>
-            <a:endParaRPr lang="en-GB" sz="4000" dirty="0"/>
-          </a:p>
-        </p:txBody>
-      </p:sp>
-      <p:graphicFrame>
-        <p:nvGraphicFramePr>
-          <p:cNvPr id="6" name="Tabella 5">
-            <a:extLst>
-              <a:ext uri="{FF2B5EF4-FFF2-40B4-BE49-F238E27FC236}">
-                <a16:creationId xmlns:a16="http://schemas.microsoft.com/office/drawing/2014/main" id="{FA96EDE3-4BAF-42F6-A390-23FD828665EE}"/>
-              </a:ext>
-            </a:extLst>
-          </p:cNvPr>
-          <p:cNvGraphicFramePr>
-            <a:graphicFrameLocks noGrp="1"/>
-          </p:cNvGraphicFramePr>
-          <p:nvPr>
-            <p:extLst>
-              <p:ext uri="{D42A27DB-BD31-4B8C-83A1-F6EECF244321}">
-                <p14:modId xmlns:p14="http://schemas.microsoft.com/office/powerpoint/2010/main" val="2413970841"/>
-              </p:ext>
-            </p:extLst>
-          </p:nvPr>
-        </p:nvGraphicFramePr>
-        <p:xfrm>
-          <a:off x="2438400" y="4576573"/>
-          <a:ext cx="7315200" cy="1854200"/>
-        </p:xfrm>
-        <a:graphic>
-          <a:graphicData uri="http://schemas.openxmlformats.org/drawingml/2006/table">
-            <a:tbl>
-              <a:tblPr firstRow="1" bandRow="1">
-                <a:tableStyleId>{21E4AEA4-8DFA-4A89-87EB-49C32662AFE0}</a:tableStyleId>
-              </a:tblPr>
-              <a:tblGrid>
-                <a:gridCol w="2438400">
-                  <a:extLst>
-                    <a:ext uri="{9D8B030D-6E8A-4147-A177-3AD203B41FA5}">
-                      <a16:colId xmlns:a16="http://schemas.microsoft.com/office/drawing/2014/main" val="686818203"/>
-                    </a:ext>
-                  </a:extLst>
-                </a:gridCol>
-                <a:gridCol w="2438400">
-                  <a:extLst>
-                    <a:ext uri="{9D8B030D-6E8A-4147-A177-3AD203B41FA5}">
-                      <a16:colId xmlns:a16="http://schemas.microsoft.com/office/drawing/2014/main" val="1071823177"/>
-                    </a:ext>
-                  </a:extLst>
-                </a:gridCol>
-                <a:gridCol w="2438400">
-                  <a:extLst>
-                    <a:ext uri="{9D8B030D-6E8A-4147-A177-3AD203B41FA5}">
-                      <a16:colId xmlns:a16="http://schemas.microsoft.com/office/drawing/2014/main" val="2534871808"/>
-                    </a:ext>
-                  </a:extLst>
-                </a:gridCol>
-              </a:tblGrid>
-              <a:tr h="370840">
-                <a:tc>
-                  <a:txBody>
-                    <a:bodyPr/>
-                    <a:lstStyle/>
-                    <a:p>
-                      <a:pPr algn="ctr"/>
-                      <a:endParaRPr lang="en-GB" dirty="0"/>
-                    </a:p>
-                  </a:txBody>
-                  <a:tcPr/>
-                </a:tc>
-                <a:tc>
-                  <a:txBody>
-                    <a:bodyPr/>
-                    <a:lstStyle/>
-                    <a:p>
-                      <a:pPr algn="ctr"/>
-                      <a:r>
-                        <a:rPr lang="it-IT" dirty="0" err="1"/>
-                        <a:t>Packet</a:t>
-                      </a:r>
-                      <a:r>
-                        <a:rPr lang="it-IT" dirty="0"/>
-                        <a:t> </a:t>
-                      </a:r>
-                      <a:r>
-                        <a:rPr lang="it-IT" dirty="0" err="1"/>
-                        <a:t>Loss</a:t>
-                      </a:r>
-                      <a:r>
-                        <a:rPr lang="it-IT" dirty="0"/>
-                        <a:t> (%</a:t>
-                      </a:r>
-                      <a:r>
-                        <a:rPr lang="it-IT" dirty="0" err="1"/>
-                        <a:t>received</a:t>
-                      </a:r>
-                      <a:r>
-                        <a:rPr lang="it-IT" dirty="0"/>
-                        <a:t>)</a:t>
-                      </a:r>
-                      <a:endParaRPr lang="en-GB" dirty="0"/>
-                    </a:p>
-                  </a:txBody>
-                  <a:tcPr/>
-                </a:tc>
-                <a:tc>
-                  <a:txBody>
-                    <a:bodyPr/>
-                    <a:lstStyle/>
-                    <a:p>
-                      <a:pPr algn="ctr"/>
-                      <a:r>
-                        <a:rPr lang="it-IT" dirty="0" err="1"/>
-                        <a:t>Min</a:t>
-                      </a:r>
-                      <a:r>
-                        <a:rPr lang="it-IT" dirty="0"/>
-                        <a:t> LQI (</a:t>
-                      </a:r>
-                      <a:r>
-                        <a:rPr lang="it-IT" dirty="0" err="1"/>
-                        <a:t>dBm</a:t>
-                      </a:r>
-                      <a:r>
-                        <a:rPr lang="it-IT" dirty="0"/>
-                        <a:t>)</a:t>
-                      </a:r>
-                      <a:endParaRPr lang="en-GB" dirty="0"/>
-                    </a:p>
-                  </a:txBody>
-                  <a:tcPr/>
-                </a:tc>
-                <a:extLst>
-                  <a:ext uri="{0D108BD9-81ED-4DB2-BD59-A6C34878D82A}">
-                    <a16:rowId xmlns:a16="http://schemas.microsoft.com/office/drawing/2014/main" val="243457460"/>
-                  </a:ext>
-                </a:extLst>
-              </a:tr>
-              <a:tr h="370840">
-                <a:tc>
-                  <a:txBody>
-                    <a:bodyPr/>
-                    <a:lstStyle/>
-                    <a:p>
-                      <a:pPr algn="ctr"/>
-                      <a:r>
-                        <a:rPr lang="it-IT" dirty="0"/>
-                        <a:t>Engine Room</a:t>
-                      </a:r>
-                      <a:endParaRPr lang="en-GB" dirty="0"/>
-                    </a:p>
-                  </a:txBody>
-                  <a:tcPr/>
-                </a:tc>
-                <a:tc>
-                  <a:txBody>
-                    <a:bodyPr/>
-                    <a:lstStyle/>
-                    <a:p>
-                      <a:pPr algn="ctr"/>
-                      <a:r>
-                        <a:rPr lang="it-IT" dirty="0"/>
-                        <a:t>9709/10000</a:t>
-                      </a:r>
-                      <a:endParaRPr lang="en-GB" dirty="0"/>
-                    </a:p>
-                  </a:txBody>
-                  <a:tcPr/>
-                </a:tc>
-                <a:tc>
-                  <a:txBody>
-                    <a:bodyPr/>
-                    <a:lstStyle/>
-                    <a:p>
-                      <a:pPr algn="ctr"/>
-                      <a:r>
-                        <a:rPr lang="it-IT" dirty="0"/>
-                        <a:t>-76</a:t>
-                      </a:r>
-                      <a:endParaRPr lang="en-GB" dirty="0"/>
-                    </a:p>
-                  </a:txBody>
-                  <a:tcPr/>
-                </a:tc>
-                <a:extLst>
-                  <a:ext uri="{0D108BD9-81ED-4DB2-BD59-A6C34878D82A}">
-                    <a16:rowId xmlns:a16="http://schemas.microsoft.com/office/drawing/2014/main" val="3654697704"/>
-                  </a:ext>
-                </a:extLst>
-              </a:tr>
-              <a:tr h="370840">
-                <a:tc>
-                  <a:txBody>
-                    <a:bodyPr/>
-                    <a:lstStyle/>
-                    <a:p>
-                      <a:pPr algn="ctr"/>
-                      <a:r>
-                        <a:rPr lang="it-IT" dirty="0" err="1"/>
-                        <a:t>Bow</a:t>
-                      </a:r>
-                      <a:endParaRPr lang="en-GB" dirty="0"/>
-                    </a:p>
-                  </a:txBody>
-                  <a:tcPr/>
-                </a:tc>
-                <a:tc>
-                  <a:txBody>
-                    <a:bodyPr/>
-                    <a:lstStyle/>
-                    <a:p>
-                      <a:pPr marL="0" marR="0" lvl="0" indent="0" algn="ctr" defTabSz="914400" rtl="0" eaLnBrk="1" fontAlgn="auto" latinLnBrk="0" hangingPunct="1">
-                        <a:lnSpc>
-                          <a:spcPct val="100000"/>
-                        </a:lnSpc>
-                        <a:spcBef>
-                          <a:spcPts val="0"/>
-                        </a:spcBef>
-                        <a:spcAft>
-                          <a:spcPts val="0"/>
-                        </a:spcAft>
-                        <a:buClrTx/>
-                        <a:buSzTx/>
-                        <a:buFontTx/>
-                        <a:buNone/>
-                        <a:tabLst/>
-                        <a:defRPr/>
-                      </a:pPr>
-                      <a:r>
-                        <a:rPr lang="it-IT" dirty="0"/>
-                        <a:t>9373/10000</a:t>
-                      </a:r>
-                      <a:endParaRPr lang="en-GB" dirty="0"/>
-                    </a:p>
-                  </a:txBody>
-                  <a:tcPr/>
-                </a:tc>
-                <a:tc>
-                  <a:txBody>
-                    <a:bodyPr/>
-                    <a:lstStyle/>
-                    <a:p>
-                      <a:pPr algn="ctr"/>
-                      <a:r>
-                        <a:rPr lang="it-IT" dirty="0"/>
-                        <a:t>-81</a:t>
-                      </a:r>
-                      <a:endParaRPr lang="en-GB" dirty="0"/>
-                    </a:p>
-                  </a:txBody>
-                  <a:tcPr/>
-                </a:tc>
-                <a:extLst>
-                  <a:ext uri="{0D108BD9-81ED-4DB2-BD59-A6C34878D82A}">
-                    <a16:rowId xmlns:a16="http://schemas.microsoft.com/office/drawing/2014/main" val="961290905"/>
-                  </a:ext>
-                </a:extLst>
-              </a:tr>
-              <a:tr h="370840">
-                <a:tc>
-                  <a:txBody>
-                    <a:bodyPr/>
-                    <a:lstStyle/>
-                    <a:p>
-                      <a:pPr algn="ctr"/>
-                      <a:r>
-                        <a:rPr lang="it-IT" dirty="0" err="1"/>
-                        <a:t>Aft</a:t>
-                      </a:r>
-                      <a:endParaRPr lang="en-GB" dirty="0"/>
-                    </a:p>
-                  </a:txBody>
-                  <a:tcPr/>
-                </a:tc>
-                <a:tc>
-                  <a:txBody>
-                    <a:bodyPr/>
-                    <a:lstStyle/>
-                    <a:p>
-                      <a:pPr algn="ctr"/>
-                      <a:r>
-                        <a:rPr lang="it-IT" dirty="0"/>
-                        <a:t>9698/10000</a:t>
-                      </a:r>
-                      <a:endParaRPr lang="en-GB" dirty="0"/>
-                    </a:p>
-                  </a:txBody>
-                  <a:tcPr/>
-                </a:tc>
-                <a:tc>
-                  <a:txBody>
-                    <a:bodyPr/>
-                    <a:lstStyle/>
-                    <a:p>
-                      <a:pPr algn="ctr"/>
-                      <a:r>
-                        <a:rPr lang="it-IT" dirty="0"/>
-                        <a:t>-84</a:t>
-                      </a:r>
-                      <a:endParaRPr lang="en-GB" dirty="0"/>
-                    </a:p>
-                  </a:txBody>
-                  <a:tcPr/>
-                </a:tc>
-                <a:extLst>
-                  <a:ext uri="{0D108BD9-81ED-4DB2-BD59-A6C34878D82A}">
-                    <a16:rowId xmlns:a16="http://schemas.microsoft.com/office/drawing/2014/main" val="1894406212"/>
-                  </a:ext>
-                </a:extLst>
-              </a:tr>
-              <a:tr h="370840">
-                <a:tc>
-                  <a:txBody>
-                    <a:bodyPr/>
-                    <a:lstStyle/>
-                    <a:p>
-                      <a:pPr algn="ctr"/>
-                      <a:r>
-                        <a:rPr lang="it-IT" dirty="0" err="1"/>
-                        <a:t>Starboard</a:t>
-                      </a:r>
-                      <a:r>
-                        <a:rPr lang="it-IT" dirty="0"/>
-                        <a:t> </a:t>
-                      </a:r>
-                      <a:r>
-                        <a:rPr lang="it-IT" dirty="0" err="1"/>
-                        <a:t>Rail</a:t>
-                      </a:r>
-                      <a:endParaRPr lang="en-GB" dirty="0"/>
-                    </a:p>
-                  </a:txBody>
-                  <a:tcPr/>
-                </a:tc>
-                <a:tc>
-                  <a:txBody>
-                    <a:bodyPr/>
-                    <a:lstStyle/>
-                    <a:p>
-                      <a:pPr marL="0" marR="0" lvl="0" indent="0" algn="ctr" defTabSz="914400" rtl="0" eaLnBrk="1" fontAlgn="auto" latinLnBrk="0" hangingPunct="1">
-                        <a:lnSpc>
-                          <a:spcPct val="100000"/>
-                        </a:lnSpc>
-                        <a:spcBef>
-                          <a:spcPts val="0"/>
-                        </a:spcBef>
-                        <a:spcAft>
-                          <a:spcPts val="0"/>
-                        </a:spcAft>
-                        <a:buClrTx/>
-                        <a:buSzTx/>
-                        <a:buFontTx/>
-                        <a:buNone/>
-                        <a:tabLst/>
-                        <a:defRPr/>
-                      </a:pPr>
-                      <a:r>
-                        <a:rPr lang="it-IT" i="0" u="none" dirty="0"/>
-                        <a:t>8595/10000</a:t>
-                      </a:r>
-                      <a:endParaRPr lang="en-GB" i="0" u="none" dirty="0"/>
-                    </a:p>
-                  </a:txBody>
-                  <a:tcPr/>
-                </a:tc>
-                <a:tc>
-                  <a:txBody>
-                    <a:bodyPr/>
-                    <a:lstStyle/>
-                    <a:p>
-                      <a:pPr algn="ctr"/>
-                      <a:r>
-                        <a:rPr lang="it-IT" dirty="0"/>
-                        <a:t>-84</a:t>
-                      </a:r>
-                      <a:endParaRPr lang="en-GB" dirty="0"/>
-                    </a:p>
-                  </a:txBody>
-                  <a:tcPr/>
-                </a:tc>
-                <a:extLst>
-                  <a:ext uri="{0D108BD9-81ED-4DB2-BD59-A6C34878D82A}">
-                    <a16:rowId xmlns:a16="http://schemas.microsoft.com/office/drawing/2014/main" val="2261516755"/>
-                  </a:ext>
-                </a:extLst>
-              </a:tr>
-            </a:tbl>
-          </a:graphicData>
-        </a:graphic>
-      </p:graphicFrame>
-    </p:spTree>
-    <p:extLst>
-      <p:ext uri="{BB962C8B-B14F-4D97-AF65-F5344CB8AC3E}">
-        <p14:creationId xmlns:p14="http://schemas.microsoft.com/office/powerpoint/2010/main" val="1205023535"/>
-      </p:ext>
-    </p:extLst>
-  </p:cSld>
-  <p:clrMapOvr>
-    <a:masterClrMapping/>
-  </p:clrMapOvr>
-</p:sld>
-</file>
-
-<file path=ppt/slides/slide11.xml><?xml version="1.0" encoding="utf-8"?>
 <p:sld xmlns:a="http://schemas.openxmlformats.org/drawingml/2006/main" xmlns:r="http://schemas.openxmlformats.org/officeDocument/2006/relationships" xmlns:p="http://schemas.openxmlformats.org/presentationml/2006/main">
   <p:cSld>
     <p:bg>
@@ -10229,7 +9313,7 @@
 </p:sld>
 </file>
 
-<file path=ppt/slides/slide12.xml><?xml version="1.0" encoding="utf-8"?>
+<file path=ppt/slides/slide11.xml><?xml version="1.0" encoding="utf-8"?>
 <p:sld xmlns:a="http://schemas.openxmlformats.org/drawingml/2006/main" xmlns:r="http://schemas.openxmlformats.org/officeDocument/2006/relationships" xmlns:p="http://schemas.openxmlformats.org/presentationml/2006/main">
   <p:cSld>
     <p:bg>
@@ -10265,186 +9349,6 @@
     <p:extLst>
       <p:ext uri="{BB962C8B-B14F-4D97-AF65-F5344CB8AC3E}">
         <p14:creationId xmlns:p14="http://schemas.microsoft.com/office/powerpoint/2010/main" val="1428600165"/>
-      </p:ext>
-    </p:extLst>
-  </p:cSld>
-  <p:clrMapOvr>
-    <a:masterClrMapping/>
-  </p:clrMapOvr>
-</p:sld>
-</file>
-
-<file path=ppt/slides/slide13.xml><?xml version="1.0" encoding="utf-8"?>
-<p:sld xmlns:a="http://schemas.openxmlformats.org/drawingml/2006/main" xmlns:r="http://schemas.openxmlformats.org/officeDocument/2006/relationships" xmlns:p="http://schemas.openxmlformats.org/presentationml/2006/main">
-  <p:cSld>
-    <p:bg>
-      <p:bgPr>
-        <a:blipFill dpi="0" rotWithShape="1">
-          <a:blip r:embed="rId2">
-            <a:alphaModFix amt="18000"/>
-            <a:lum/>
-          </a:blip>
-          <a:srcRect/>
-          <a:stretch>
-            <a:fillRect l="-4000" r="-4000"/>
-          </a:stretch>
-        </a:blipFill>
-        <a:effectLst/>
-      </p:bgPr>
-    </p:bg>
-    <p:spTree>
-      <p:nvGrpSpPr>
-        <p:cNvPr id="1" name=""/>
-        <p:cNvGrpSpPr/>
-        <p:nvPr/>
-      </p:nvGrpSpPr>
-      <p:grpSpPr>
-        <a:xfrm>
-          <a:off x="0" y="0"/>
-          <a:ext cx="0" cy="0"/>
-          <a:chOff x="0" y="0"/>
-          <a:chExt cx="0" cy="0"/>
-        </a:xfrm>
-      </p:grpSpPr>
-    </p:spTree>
-    <p:extLst>
-      <p:ext uri="{BB962C8B-B14F-4D97-AF65-F5344CB8AC3E}">
-        <p14:creationId xmlns:p14="http://schemas.microsoft.com/office/powerpoint/2010/main" val="3755354538"/>
-      </p:ext>
-    </p:extLst>
-  </p:cSld>
-  <p:clrMapOvr>
-    <a:masterClrMapping/>
-  </p:clrMapOvr>
-</p:sld>
-</file>
-
-<file path=ppt/slides/slide14.xml><?xml version="1.0" encoding="utf-8"?>
-<p:sld xmlns:a="http://schemas.openxmlformats.org/drawingml/2006/main" xmlns:r="http://schemas.openxmlformats.org/officeDocument/2006/relationships" xmlns:p="http://schemas.openxmlformats.org/presentationml/2006/main">
-  <p:cSld>
-    <p:bg>
-      <p:bgPr>
-        <a:blipFill dpi="0" rotWithShape="1">
-          <a:blip r:embed="rId2">
-            <a:alphaModFix amt="18000"/>
-            <a:lum/>
-          </a:blip>
-          <a:srcRect/>
-          <a:stretch>
-            <a:fillRect l="-4000" r="-4000"/>
-          </a:stretch>
-        </a:blipFill>
-        <a:effectLst/>
-      </p:bgPr>
-    </p:bg>
-    <p:spTree>
-      <p:nvGrpSpPr>
-        <p:cNvPr id="1" name=""/>
-        <p:cNvGrpSpPr/>
-        <p:nvPr/>
-      </p:nvGrpSpPr>
-      <p:grpSpPr>
-        <a:xfrm>
-          <a:off x="0" y="0"/>
-          <a:ext cx="0" cy="0"/>
-          <a:chOff x="0" y="0"/>
-          <a:chExt cx="0" cy="0"/>
-        </a:xfrm>
-      </p:grpSpPr>
-    </p:spTree>
-    <p:extLst>
-      <p:ext uri="{BB962C8B-B14F-4D97-AF65-F5344CB8AC3E}">
-        <p14:creationId xmlns:p14="http://schemas.microsoft.com/office/powerpoint/2010/main" val="3339527671"/>
-      </p:ext>
-    </p:extLst>
-  </p:cSld>
-  <p:clrMapOvr>
-    <a:masterClrMapping/>
-  </p:clrMapOvr>
-</p:sld>
-</file>
-
-<file path=ppt/slides/slide15.xml><?xml version="1.0" encoding="utf-8"?>
-<p:sld xmlns:a="http://schemas.openxmlformats.org/drawingml/2006/main" xmlns:r="http://schemas.openxmlformats.org/officeDocument/2006/relationships" xmlns:p="http://schemas.openxmlformats.org/presentationml/2006/main">
-  <p:cSld>
-    <p:bg>
-      <p:bgPr>
-        <a:blipFill dpi="0" rotWithShape="1">
-          <a:blip r:embed="rId2">
-            <a:alphaModFix amt="18000"/>
-            <a:lum/>
-          </a:blip>
-          <a:srcRect/>
-          <a:stretch>
-            <a:fillRect l="-4000" r="-4000"/>
-          </a:stretch>
-        </a:blipFill>
-        <a:effectLst/>
-      </p:bgPr>
-    </p:bg>
-    <p:spTree>
-      <p:nvGrpSpPr>
-        <p:cNvPr id="1" name=""/>
-        <p:cNvGrpSpPr/>
-        <p:nvPr/>
-      </p:nvGrpSpPr>
-      <p:grpSpPr>
-        <a:xfrm>
-          <a:off x="0" y="0"/>
-          <a:ext cx="0" cy="0"/>
-          <a:chOff x="0" y="0"/>
-          <a:chExt cx="0" cy="0"/>
-        </a:xfrm>
-      </p:grpSpPr>
-    </p:spTree>
-    <p:extLst>
-      <p:ext uri="{BB962C8B-B14F-4D97-AF65-F5344CB8AC3E}">
-        <p14:creationId xmlns:p14="http://schemas.microsoft.com/office/powerpoint/2010/main" val="3147470350"/>
-      </p:ext>
-    </p:extLst>
-  </p:cSld>
-  <p:clrMapOvr>
-    <a:masterClrMapping/>
-  </p:clrMapOvr>
-</p:sld>
-</file>
-
-<file path=ppt/slides/slide16.xml><?xml version="1.0" encoding="utf-8"?>
-<p:sld xmlns:a="http://schemas.openxmlformats.org/drawingml/2006/main" xmlns:r="http://schemas.openxmlformats.org/officeDocument/2006/relationships" xmlns:p="http://schemas.openxmlformats.org/presentationml/2006/main">
-  <p:cSld>
-    <p:bg>
-      <p:bgPr>
-        <a:blipFill dpi="0" rotWithShape="1">
-          <a:blip r:embed="rId2">
-            <a:alphaModFix amt="18000"/>
-            <a:lum/>
-          </a:blip>
-          <a:srcRect/>
-          <a:stretch>
-            <a:fillRect l="-4000" r="-4000"/>
-          </a:stretch>
-        </a:blipFill>
-        <a:effectLst/>
-      </p:bgPr>
-    </p:bg>
-    <p:spTree>
-      <p:nvGrpSpPr>
-        <p:cNvPr id="1" name=""/>
-        <p:cNvGrpSpPr/>
-        <p:nvPr/>
-      </p:nvGrpSpPr>
-      <p:grpSpPr>
-        <a:xfrm>
-          <a:off x="0" y="0"/>
-          <a:ext cx="0" cy="0"/>
-          <a:chOff x="0" y="0"/>
-          <a:chExt cx="0" cy="0"/>
-        </a:xfrm>
-      </p:grpSpPr>
-    </p:spTree>
-    <p:extLst>
-      <p:ext uri="{BB962C8B-B14F-4D97-AF65-F5344CB8AC3E}">
-        <p14:creationId xmlns:p14="http://schemas.microsoft.com/office/powerpoint/2010/main" val="739074728"/>
       </p:ext>
     </p:extLst>
   </p:cSld>
@@ -11937,51 +10841,6 @@
           <a:chExt cx="0" cy="0"/>
         </a:xfrm>
       </p:grpSpPr>
-    </p:spTree>
-    <p:extLst>
-      <p:ext uri="{BB962C8B-B14F-4D97-AF65-F5344CB8AC3E}">
-        <p14:creationId xmlns:p14="http://schemas.microsoft.com/office/powerpoint/2010/main" val="3946345275"/>
-      </p:ext>
-    </p:extLst>
-  </p:cSld>
-  <p:clrMapOvr>
-    <a:masterClrMapping/>
-  </p:clrMapOvr>
-</p:sld>
-</file>
-
-<file path=ppt/slides/slide7.xml><?xml version="1.0" encoding="utf-8"?>
-<p:sld xmlns:a="http://schemas.openxmlformats.org/drawingml/2006/main" xmlns:r="http://schemas.openxmlformats.org/officeDocument/2006/relationships" xmlns:p="http://schemas.openxmlformats.org/presentationml/2006/main">
-  <p:cSld>
-    <p:bg>
-      <p:bgPr>
-        <a:blipFill dpi="0" rotWithShape="1">
-          <a:blip r:embed="rId2">
-            <a:alphaModFix amt="18000"/>
-            <a:lum/>
-          </a:blip>
-          <a:srcRect/>
-          <a:stretch>
-            <a:fillRect l="-4000" r="-4000"/>
-          </a:stretch>
-        </a:blipFill>
-        <a:effectLst/>
-      </p:bgPr>
-    </p:bg>
-    <p:spTree>
-      <p:nvGrpSpPr>
-        <p:cNvPr id="1" name=""/>
-        <p:cNvGrpSpPr/>
-        <p:nvPr/>
-      </p:nvGrpSpPr>
-      <p:grpSpPr>
-        <a:xfrm>
-          <a:off x="0" y="0"/>
-          <a:ext cx="0" cy="0"/>
-          <a:chOff x="0" y="0"/>
-          <a:chExt cx="0" cy="0"/>
-        </a:xfrm>
-      </p:grpSpPr>
       <p:sp>
         <p:nvSpPr>
           <p:cNvPr id="4" name="CasellaDiTesto 3">
@@ -12348,7 +11207,7 @@
 </p:sld>
 </file>
 
-<file path=ppt/slides/slide8.xml><?xml version="1.0" encoding="utf-8"?>
+<file path=ppt/slides/slide7.xml><?xml version="1.0" encoding="utf-8"?>
 <p:sld xmlns:a="http://schemas.openxmlformats.org/drawingml/2006/main" xmlns:r="http://schemas.openxmlformats.org/officeDocument/2006/relationships" xmlns:p="http://schemas.openxmlformats.org/presentationml/2006/main">
   <p:cSld>
     <p:bg>
@@ -12927,7 +11786,7 @@
 </p:sld>
 </file>
 
-<file path=ppt/slides/slide9.xml><?xml version="1.0" encoding="utf-8"?>
+<file path=ppt/slides/slide8.xml><?xml version="1.0" encoding="utf-8"?>
 <p:sld xmlns:a="http://schemas.openxmlformats.org/drawingml/2006/main" xmlns:r="http://schemas.openxmlformats.org/officeDocument/2006/relationships" xmlns:p="http://schemas.openxmlformats.org/presentationml/2006/main">
   <p:cSld>
     <p:bg>
@@ -13010,6 +11869,917 @@
     <p:extLst>
       <p:ext uri="{BB962C8B-B14F-4D97-AF65-F5344CB8AC3E}">
         <p14:creationId xmlns:p14="http://schemas.microsoft.com/office/powerpoint/2010/main" val="3178356631"/>
+      </p:ext>
+    </p:extLst>
+  </p:cSld>
+  <p:clrMapOvr>
+    <a:masterClrMapping/>
+  </p:clrMapOvr>
+</p:sld>
+</file>
+
+<file path=ppt/slides/slide9.xml><?xml version="1.0" encoding="utf-8"?>
+<p:sld xmlns:a="http://schemas.openxmlformats.org/drawingml/2006/main" xmlns:r="http://schemas.openxmlformats.org/officeDocument/2006/relationships" xmlns:p="http://schemas.openxmlformats.org/presentationml/2006/main">
+  <p:cSld>
+    <p:bg>
+      <p:bgPr>
+        <a:blipFill dpi="0" rotWithShape="1">
+          <a:blip r:embed="rId2">
+            <a:alphaModFix amt="18000"/>
+            <a:lum/>
+          </a:blip>
+          <a:srcRect/>
+          <a:stretch>
+            <a:fillRect l="-4000" r="-4000"/>
+          </a:stretch>
+        </a:blipFill>
+        <a:effectLst/>
+      </p:bgPr>
+    </p:bg>
+    <p:spTree>
+      <p:nvGrpSpPr>
+        <p:cNvPr id="1" name=""/>
+        <p:cNvGrpSpPr/>
+        <p:nvPr/>
+      </p:nvGrpSpPr>
+      <p:grpSpPr>
+        <a:xfrm>
+          <a:off x="0" y="0"/>
+          <a:ext cx="0" cy="0"/>
+          <a:chOff x="0" y="0"/>
+          <a:chExt cx="0" cy="0"/>
+        </a:xfrm>
+      </p:grpSpPr>
+      <p:sp>
+        <p:nvSpPr>
+          <p:cNvPr id="3" name="CasellaDiTesto 2">
+            <a:extLst>
+              <a:ext uri="{FF2B5EF4-FFF2-40B4-BE49-F238E27FC236}">
+                <a16:creationId xmlns:a16="http://schemas.microsoft.com/office/drawing/2014/main" id="{969145AC-AC19-418D-BBA5-256252453ABC}"/>
+              </a:ext>
+            </a:extLst>
+          </p:cNvPr>
+          <p:cNvSpPr txBox="1"/>
+          <p:nvPr/>
+        </p:nvSpPr>
+        <p:spPr>
+          <a:xfrm>
+            <a:off x="2959658" y="427227"/>
+            <a:ext cx="6272679" cy="707886"/>
+          </a:xfrm>
+          <a:prstGeom prst="rect">
+            <a:avLst/>
+          </a:prstGeom>
+          <a:noFill/>
+        </p:spPr>
+        <p:txBody>
+          <a:bodyPr wrap="none" rtlCol="0">
+            <a:spAutoFit/>
+          </a:bodyPr>
+          <a:lstStyle/>
+          <a:p>
+            <a:r>
+              <a:rPr lang="it-IT" sz="4000" dirty="0"/>
+              <a:t>No </a:t>
+            </a:r>
+            <a:r>
+              <a:rPr lang="it-IT" sz="4000" dirty="0" err="1"/>
+              <a:t>Repeater</a:t>
+            </a:r>
+            <a:r>
+              <a:rPr lang="it-IT" sz="4000" dirty="0"/>
+              <a:t>, No </a:t>
+            </a:r>
+            <a:r>
+              <a:rPr lang="it-IT" sz="4000" dirty="0" err="1"/>
+              <a:t>Interference</a:t>
+            </a:r>
+            <a:endParaRPr lang="en-GB" sz="4000" dirty="0"/>
+          </a:p>
+        </p:txBody>
+      </p:sp>
+      <p:graphicFrame>
+        <p:nvGraphicFramePr>
+          <p:cNvPr id="4" name="Tabella 3">
+            <a:extLst>
+              <a:ext uri="{FF2B5EF4-FFF2-40B4-BE49-F238E27FC236}">
+                <a16:creationId xmlns:a16="http://schemas.microsoft.com/office/drawing/2014/main" id="{D3900DDE-5D75-40C5-8903-2A73A6CA5957}"/>
+              </a:ext>
+            </a:extLst>
+          </p:cNvPr>
+          <p:cNvGraphicFramePr>
+            <a:graphicFrameLocks noGrp="1"/>
+          </p:cNvGraphicFramePr>
+          <p:nvPr>
+            <p:extLst>
+              <p:ext uri="{D42A27DB-BD31-4B8C-83A1-F6EECF244321}">
+                <p14:modId xmlns:p14="http://schemas.microsoft.com/office/powerpoint/2010/main" val="1550817128"/>
+              </p:ext>
+            </p:extLst>
+          </p:nvPr>
+        </p:nvGraphicFramePr>
+        <p:xfrm>
+          <a:off x="2438398" y="1428238"/>
+          <a:ext cx="7315200" cy="1854200"/>
+        </p:xfrm>
+        <a:graphic>
+          <a:graphicData uri="http://schemas.openxmlformats.org/drawingml/2006/table">
+            <a:tbl>
+              <a:tblPr firstRow="1" bandRow="1">
+                <a:tableStyleId>{21E4AEA4-8DFA-4A89-87EB-49C32662AFE0}</a:tableStyleId>
+              </a:tblPr>
+              <a:tblGrid>
+                <a:gridCol w="2438400">
+                  <a:extLst>
+                    <a:ext uri="{9D8B030D-6E8A-4147-A177-3AD203B41FA5}">
+                      <a16:colId xmlns:a16="http://schemas.microsoft.com/office/drawing/2014/main" val="686818203"/>
+                    </a:ext>
+                  </a:extLst>
+                </a:gridCol>
+                <a:gridCol w="2438400">
+                  <a:extLst>
+                    <a:ext uri="{9D8B030D-6E8A-4147-A177-3AD203B41FA5}">
+                      <a16:colId xmlns:a16="http://schemas.microsoft.com/office/drawing/2014/main" val="1071823177"/>
+                    </a:ext>
+                  </a:extLst>
+                </a:gridCol>
+                <a:gridCol w="2438400">
+                  <a:extLst>
+                    <a:ext uri="{9D8B030D-6E8A-4147-A177-3AD203B41FA5}">
+                      <a16:colId xmlns:a16="http://schemas.microsoft.com/office/drawing/2014/main" val="2534871808"/>
+                    </a:ext>
+                  </a:extLst>
+                </a:gridCol>
+              </a:tblGrid>
+              <a:tr h="370840">
+                <a:tc>
+                  <a:txBody>
+                    <a:bodyPr/>
+                    <a:lstStyle/>
+                    <a:p>
+                      <a:pPr algn="ctr"/>
+                      <a:endParaRPr lang="en-GB" dirty="0"/>
+                    </a:p>
+                  </a:txBody>
+                  <a:tcPr/>
+                </a:tc>
+                <a:tc>
+                  <a:txBody>
+                    <a:bodyPr/>
+                    <a:lstStyle/>
+                    <a:p>
+                      <a:pPr algn="ctr"/>
+                      <a:r>
+                        <a:rPr lang="it-IT" dirty="0" err="1"/>
+                        <a:t>Packet</a:t>
+                      </a:r>
+                      <a:r>
+                        <a:rPr lang="it-IT" dirty="0"/>
+                        <a:t> </a:t>
+                      </a:r>
+                      <a:r>
+                        <a:rPr lang="it-IT" dirty="0" err="1"/>
+                        <a:t>Loss</a:t>
+                      </a:r>
+                      <a:r>
+                        <a:rPr lang="it-IT" dirty="0"/>
+                        <a:t> (%</a:t>
+                      </a:r>
+                      <a:r>
+                        <a:rPr lang="it-IT" dirty="0" err="1"/>
+                        <a:t>received</a:t>
+                      </a:r>
+                      <a:r>
+                        <a:rPr lang="it-IT" dirty="0"/>
+                        <a:t>)</a:t>
+                      </a:r>
+                      <a:endParaRPr lang="en-GB" dirty="0"/>
+                    </a:p>
+                  </a:txBody>
+                  <a:tcPr/>
+                </a:tc>
+                <a:tc>
+                  <a:txBody>
+                    <a:bodyPr/>
+                    <a:lstStyle/>
+                    <a:p>
+                      <a:pPr algn="ctr"/>
+                      <a:r>
+                        <a:rPr lang="it-IT" dirty="0" err="1"/>
+                        <a:t>Min</a:t>
+                      </a:r>
+                      <a:r>
+                        <a:rPr lang="it-IT" dirty="0"/>
+                        <a:t> LQI (</a:t>
+                      </a:r>
+                      <a:r>
+                        <a:rPr lang="it-IT" dirty="0" err="1"/>
+                        <a:t>dBm</a:t>
+                      </a:r>
+                      <a:r>
+                        <a:rPr lang="it-IT" dirty="0"/>
+                        <a:t>)</a:t>
+                      </a:r>
+                      <a:endParaRPr lang="en-GB" dirty="0"/>
+                    </a:p>
+                  </a:txBody>
+                  <a:tcPr/>
+                </a:tc>
+                <a:extLst>
+                  <a:ext uri="{0D108BD9-81ED-4DB2-BD59-A6C34878D82A}">
+                    <a16:rowId xmlns:a16="http://schemas.microsoft.com/office/drawing/2014/main" val="243457460"/>
+                  </a:ext>
+                </a:extLst>
+              </a:tr>
+              <a:tr h="370840">
+                <a:tc>
+                  <a:txBody>
+                    <a:bodyPr/>
+                    <a:lstStyle/>
+                    <a:p>
+                      <a:pPr algn="ctr"/>
+                      <a:r>
+                        <a:rPr lang="it-IT" dirty="0"/>
+                        <a:t>Engine Room</a:t>
+                      </a:r>
+                      <a:endParaRPr lang="en-GB" dirty="0"/>
+                    </a:p>
+                  </a:txBody>
+                  <a:tcPr/>
+                </a:tc>
+                <a:tc>
+                  <a:txBody>
+                    <a:bodyPr/>
+                    <a:lstStyle/>
+                    <a:p>
+                      <a:pPr algn="ctr"/>
+                      <a:r>
+                        <a:rPr lang="it-IT" dirty="0"/>
+                        <a:t>9989/10000</a:t>
+                      </a:r>
+                      <a:endParaRPr lang="en-GB" dirty="0"/>
+                    </a:p>
+                  </a:txBody>
+                  <a:tcPr/>
+                </a:tc>
+                <a:tc>
+                  <a:txBody>
+                    <a:bodyPr/>
+                    <a:lstStyle/>
+                    <a:p>
+                      <a:pPr algn="ctr"/>
+                      <a:r>
+                        <a:rPr lang="it-IT" dirty="0"/>
+                        <a:t>-72</a:t>
+                      </a:r>
+                      <a:endParaRPr lang="en-GB" dirty="0"/>
+                    </a:p>
+                  </a:txBody>
+                  <a:tcPr/>
+                </a:tc>
+                <a:extLst>
+                  <a:ext uri="{0D108BD9-81ED-4DB2-BD59-A6C34878D82A}">
+                    <a16:rowId xmlns:a16="http://schemas.microsoft.com/office/drawing/2014/main" val="3654697704"/>
+                  </a:ext>
+                </a:extLst>
+              </a:tr>
+              <a:tr h="370840">
+                <a:tc>
+                  <a:txBody>
+                    <a:bodyPr/>
+                    <a:lstStyle/>
+                    <a:p>
+                      <a:pPr algn="ctr"/>
+                      <a:r>
+                        <a:rPr lang="it-IT" dirty="0" err="1"/>
+                        <a:t>Bow</a:t>
+                      </a:r>
+                      <a:endParaRPr lang="en-GB" dirty="0"/>
+                    </a:p>
+                  </a:txBody>
+                  <a:tcPr/>
+                </a:tc>
+                <a:tc>
+                  <a:txBody>
+                    <a:bodyPr/>
+                    <a:lstStyle/>
+                    <a:p>
+                      <a:pPr marL="0" marR="0" lvl="0" indent="0" algn="ctr" defTabSz="914400" rtl="0" eaLnBrk="1" fontAlgn="auto" latinLnBrk="0" hangingPunct="1">
+                        <a:lnSpc>
+                          <a:spcPct val="100000"/>
+                        </a:lnSpc>
+                        <a:spcBef>
+                          <a:spcPts val="0"/>
+                        </a:spcBef>
+                        <a:spcAft>
+                          <a:spcPts val="0"/>
+                        </a:spcAft>
+                        <a:buClrTx/>
+                        <a:buSzTx/>
+                        <a:buFontTx/>
+                        <a:buNone/>
+                        <a:tabLst/>
+                        <a:defRPr/>
+                      </a:pPr>
+                      <a:r>
+                        <a:rPr lang="it-IT" dirty="0"/>
+                        <a:t>9822/10000</a:t>
+                      </a:r>
+                      <a:endParaRPr lang="en-GB" dirty="0"/>
+                    </a:p>
+                  </a:txBody>
+                  <a:tcPr/>
+                </a:tc>
+                <a:tc>
+                  <a:txBody>
+                    <a:bodyPr/>
+                    <a:lstStyle/>
+                    <a:p>
+                      <a:pPr algn="ctr"/>
+                      <a:r>
+                        <a:rPr lang="it-IT" dirty="0"/>
+                        <a:t>-79</a:t>
+                      </a:r>
+                      <a:endParaRPr lang="en-GB" dirty="0"/>
+                    </a:p>
+                  </a:txBody>
+                  <a:tcPr/>
+                </a:tc>
+                <a:extLst>
+                  <a:ext uri="{0D108BD9-81ED-4DB2-BD59-A6C34878D82A}">
+                    <a16:rowId xmlns:a16="http://schemas.microsoft.com/office/drawing/2014/main" val="961290905"/>
+                  </a:ext>
+                </a:extLst>
+              </a:tr>
+              <a:tr h="370840">
+                <a:tc>
+                  <a:txBody>
+                    <a:bodyPr/>
+                    <a:lstStyle/>
+                    <a:p>
+                      <a:pPr algn="ctr"/>
+                      <a:r>
+                        <a:rPr lang="it-IT" dirty="0" err="1"/>
+                        <a:t>Aft</a:t>
+                      </a:r>
+                      <a:endParaRPr lang="en-GB" dirty="0"/>
+                    </a:p>
+                  </a:txBody>
+                  <a:tcPr/>
+                </a:tc>
+                <a:tc>
+                  <a:txBody>
+                    <a:bodyPr/>
+                    <a:lstStyle/>
+                    <a:p>
+                      <a:pPr algn="ctr"/>
+                      <a:r>
+                        <a:rPr lang="it-IT" dirty="0"/>
+                        <a:t>9764/10000</a:t>
+                      </a:r>
+                      <a:endParaRPr lang="en-GB" dirty="0"/>
+                    </a:p>
+                  </a:txBody>
+                  <a:tcPr/>
+                </a:tc>
+                <a:tc>
+                  <a:txBody>
+                    <a:bodyPr/>
+                    <a:lstStyle/>
+                    <a:p>
+                      <a:pPr algn="ctr"/>
+                      <a:r>
+                        <a:rPr lang="it-IT" dirty="0"/>
+                        <a:t>-84</a:t>
+                      </a:r>
+                      <a:endParaRPr lang="en-GB" dirty="0"/>
+                    </a:p>
+                  </a:txBody>
+                  <a:tcPr/>
+                </a:tc>
+                <a:extLst>
+                  <a:ext uri="{0D108BD9-81ED-4DB2-BD59-A6C34878D82A}">
+                    <a16:rowId xmlns:a16="http://schemas.microsoft.com/office/drawing/2014/main" val="1894406212"/>
+                  </a:ext>
+                </a:extLst>
+              </a:tr>
+              <a:tr h="370840">
+                <a:tc>
+                  <a:txBody>
+                    <a:bodyPr/>
+                    <a:lstStyle/>
+                    <a:p>
+                      <a:pPr algn="ctr"/>
+                      <a:r>
+                        <a:rPr lang="it-IT" dirty="0" err="1"/>
+                        <a:t>Starboard</a:t>
+                      </a:r>
+                      <a:r>
+                        <a:rPr lang="it-IT" dirty="0"/>
+                        <a:t> </a:t>
+                      </a:r>
+                      <a:r>
+                        <a:rPr lang="it-IT" dirty="0" err="1"/>
+                        <a:t>Rail</a:t>
+                      </a:r>
+                      <a:endParaRPr lang="en-GB" dirty="0"/>
+                    </a:p>
+                  </a:txBody>
+                  <a:tcPr/>
+                </a:tc>
+                <a:tc>
+                  <a:txBody>
+                    <a:bodyPr/>
+                    <a:lstStyle/>
+                    <a:p>
+                      <a:pPr marL="0" marR="0" lvl="0" indent="0" algn="ctr" defTabSz="914400" rtl="0" eaLnBrk="1" fontAlgn="auto" latinLnBrk="0" hangingPunct="1">
+                        <a:lnSpc>
+                          <a:spcPct val="100000"/>
+                        </a:lnSpc>
+                        <a:spcBef>
+                          <a:spcPts val="0"/>
+                        </a:spcBef>
+                        <a:spcAft>
+                          <a:spcPts val="0"/>
+                        </a:spcAft>
+                        <a:buClrTx/>
+                        <a:buSzTx/>
+                        <a:buFontTx/>
+                        <a:buNone/>
+                        <a:tabLst/>
+                        <a:defRPr/>
+                      </a:pPr>
+                      <a:r>
+                        <a:rPr lang="it-IT" dirty="0"/>
+                        <a:t>9271/10000</a:t>
+                      </a:r>
+                      <a:endParaRPr lang="en-GB" dirty="0"/>
+                    </a:p>
+                  </a:txBody>
+                  <a:tcPr/>
+                </a:tc>
+                <a:tc>
+                  <a:txBody>
+                    <a:bodyPr/>
+                    <a:lstStyle/>
+                    <a:p>
+                      <a:pPr algn="ctr"/>
+                      <a:r>
+                        <a:rPr lang="it-IT" dirty="0"/>
+                        <a:t>-81</a:t>
+                      </a:r>
+                      <a:endParaRPr lang="en-GB" dirty="0"/>
+                    </a:p>
+                  </a:txBody>
+                  <a:tcPr/>
+                </a:tc>
+                <a:extLst>
+                  <a:ext uri="{0D108BD9-81ED-4DB2-BD59-A6C34878D82A}">
+                    <a16:rowId xmlns:a16="http://schemas.microsoft.com/office/drawing/2014/main" val="2261516755"/>
+                  </a:ext>
+                </a:extLst>
+              </a:tr>
+            </a:tbl>
+          </a:graphicData>
+        </a:graphic>
+      </p:graphicFrame>
+      <p:sp>
+        <p:nvSpPr>
+          <p:cNvPr id="5" name="CasellaDiTesto 4">
+            <a:extLst>
+              <a:ext uri="{FF2B5EF4-FFF2-40B4-BE49-F238E27FC236}">
+                <a16:creationId xmlns:a16="http://schemas.microsoft.com/office/drawing/2014/main" id="{F34F6651-B8DC-4DE9-9C86-96A9A3E2D398}"/>
+              </a:ext>
+            </a:extLst>
+          </p:cNvPr>
+          <p:cNvSpPr txBox="1"/>
+          <p:nvPr/>
+        </p:nvSpPr>
+        <p:spPr>
+          <a:xfrm>
+            <a:off x="3318733" y="3575563"/>
+            <a:ext cx="5554534" cy="707886"/>
+          </a:xfrm>
+          <a:prstGeom prst="rect">
+            <a:avLst/>
+          </a:prstGeom>
+          <a:noFill/>
+        </p:spPr>
+        <p:txBody>
+          <a:bodyPr wrap="none" rtlCol="0">
+            <a:spAutoFit/>
+          </a:bodyPr>
+          <a:lstStyle/>
+          <a:p>
+            <a:r>
+              <a:rPr lang="it-IT" sz="4000" dirty="0"/>
+              <a:t>No </a:t>
+            </a:r>
+            <a:r>
+              <a:rPr lang="it-IT" sz="4000" dirty="0" err="1"/>
+              <a:t>Repeater</a:t>
+            </a:r>
+            <a:r>
+              <a:rPr lang="it-IT" sz="4000" dirty="0"/>
+              <a:t>, </a:t>
+            </a:r>
+            <a:r>
+              <a:rPr lang="it-IT" sz="4000" dirty="0" err="1"/>
+              <a:t>Interference</a:t>
+            </a:r>
+            <a:endParaRPr lang="en-GB" sz="4000" dirty="0"/>
+          </a:p>
+        </p:txBody>
+      </p:sp>
+      <p:graphicFrame>
+        <p:nvGraphicFramePr>
+          <p:cNvPr id="6" name="Tabella 5">
+            <a:extLst>
+              <a:ext uri="{FF2B5EF4-FFF2-40B4-BE49-F238E27FC236}">
+                <a16:creationId xmlns:a16="http://schemas.microsoft.com/office/drawing/2014/main" id="{FA96EDE3-4BAF-42F6-A390-23FD828665EE}"/>
+              </a:ext>
+            </a:extLst>
+          </p:cNvPr>
+          <p:cNvGraphicFramePr>
+            <a:graphicFrameLocks noGrp="1"/>
+          </p:cNvGraphicFramePr>
+          <p:nvPr>
+            <p:extLst>
+              <p:ext uri="{D42A27DB-BD31-4B8C-83A1-F6EECF244321}">
+                <p14:modId xmlns:p14="http://schemas.microsoft.com/office/powerpoint/2010/main" val="2413970841"/>
+              </p:ext>
+            </p:extLst>
+          </p:nvPr>
+        </p:nvGraphicFramePr>
+        <p:xfrm>
+          <a:off x="2438400" y="4576573"/>
+          <a:ext cx="7315200" cy="1854200"/>
+        </p:xfrm>
+        <a:graphic>
+          <a:graphicData uri="http://schemas.openxmlformats.org/drawingml/2006/table">
+            <a:tbl>
+              <a:tblPr firstRow="1" bandRow="1">
+                <a:tableStyleId>{21E4AEA4-8DFA-4A89-87EB-49C32662AFE0}</a:tableStyleId>
+              </a:tblPr>
+              <a:tblGrid>
+                <a:gridCol w="2438400">
+                  <a:extLst>
+                    <a:ext uri="{9D8B030D-6E8A-4147-A177-3AD203B41FA5}">
+                      <a16:colId xmlns:a16="http://schemas.microsoft.com/office/drawing/2014/main" val="686818203"/>
+                    </a:ext>
+                  </a:extLst>
+                </a:gridCol>
+                <a:gridCol w="2438400">
+                  <a:extLst>
+                    <a:ext uri="{9D8B030D-6E8A-4147-A177-3AD203B41FA5}">
+                      <a16:colId xmlns:a16="http://schemas.microsoft.com/office/drawing/2014/main" val="1071823177"/>
+                    </a:ext>
+                  </a:extLst>
+                </a:gridCol>
+                <a:gridCol w="2438400">
+                  <a:extLst>
+                    <a:ext uri="{9D8B030D-6E8A-4147-A177-3AD203B41FA5}">
+                      <a16:colId xmlns:a16="http://schemas.microsoft.com/office/drawing/2014/main" val="2534871808"/>
+                    </a:ext>
+                  </a:extLst>
+                </a:gridCol>
+              </a:tblGrid>
+              <a:tr h="370840">
+                <a:tc>
+                  <a:txBody>
+                    <a:bodyPr/>
+                    <a:lstStyle/>
+                    <a:p>
+                      <a:pPr algn="ctr"/>
+                      <a:endParaRPr lang="en-GB" dirty="0"/>
+                    </a:p>
+                  </a:txBody>
+                  <a:tcPr/>
+                </a:tc>
+                <a:tc>
+                  <a:txBody>
+                    <a:bodyPr/>
+                    <a:lstStyle/>
+                    <a:p>
+                      <a:pPr algn="ctr"/>
+                      <a:r>
+                        <a:rPr lang="it-IT" dirty="0" err="1"/>
+                        <a:t>Packet</a:t>
+                      </a:r>
+                      <a:r>
+                        <a:rPr lang="it-IT" dirty="0"/>
+                        <a:t> </a:t>
+                      </a:r>
+                      <a:r>
+                        <a:rPr lang="it-IT" dirty="0" err="1"/>
+                        <a:t>Loss</a:t>
+                      </a:r>
+                      <a:r>
+                        <a:rPr lang="it-IT" dirty="0"/>
+                        <a:t> (%</a:t>
+                      </a:r>
+                      <a:r>
+                        <a:rPr lang="it-IT" dirty="0" err="1"/>
+                        <a:t>received</a:t>
+                      </a:r>
+                      <a:r>
+                        <a:rPr lang="it-IT" dirty="0"/>
+                        <a:t>)</a:t>
+                      </a:r>
+                      <a:endParaRPr lang="en-GB" dirty="0"/>
+                    </a:p>
+                  </a:txBody>
+                  <a:tcPr/>
+                </a:tc>
+                <a:tc>
+                  <a:txBody>
+                    <a:bodyPr/>
+                    <a:lstStyle/>
+                    <a:p>
+                      <a:pPr algn="ctr"/>
+                      <a:r>
+                        <a:rPr lang="it-IT" dirty="0" err="1"/>
+                        <a:t>Min</a:t>
+                      </a:r>
+                      <a:r>
+                        <a:rPr lang="it-IT" dirty="0"/>
+                        <a:t> LQI (</a:t>
+                      </a:r>
+                      <a:r>
+                        <a:rPr lang="it-IT" dirty="0" err="1"/>
+                        <a:t>dBm</a:t>
+                      </a:r>
+                      <a:r>
+                        <a:rPr lang="it-IT" dirty="0"/>
+                        <a:t>)</a:t>
+                      </a:r>
+                      <a:endParaRPr lang="en-GB" dirty="0"/>
+                    </a:p>
+                  </a:txBody>
+                  <a:tcPr/>
+                </a:tc>
+                <a:extLst>
+                  <a:ext uri="{0D108BD9-81ED-4DB2-BD59-A6C34878D82A}">
+                    <a16:rowId xmlns:a16="http://schemas.microsoft.com/office/drawing/2014/main" val="243457460"/>
+                  </a:ext>
+                </a:extLst>
+              </a:tr>
+              <a:tr h="370840">
+                <a:tc>
+                  <a:txBody>
+                    <a:bodyPr/>
+                    <a:lstStyle/>
+                    <a:p>
+                      <a:pPr algn="ctr"/>
+                      <a:r>
+                        <a:rPr lang="it-IT" dirty="0"/>
+                        <a:t>Engine Room</a:t>
+                      </a:r>
+                      <a:endParaRPr lang="en-GB" dirty="0"/>
+                    </a:p>
+                  </a:txBody>
+                  <a:tcPr/>
+                </a:tc>
+                <a:tc>
+                  <a:txBody>
+                    <a:bodyPr/>
+                    <a:lstStyle/>
+                    <a:p>
+                      <a:pPr algn="ctr"/>
+                      <a:r>
+                        <a:rPr lang="it-IT" dirty="0"/>
+                        <a:t>9709/10000</a:t>
+                      </a:r>
+                      <a:endParaRPr lang="en-GB" dirty="0"/>
+                    </a:p>
+                  </a:txBody>
+                  <a:tcPr/>
+                </a:tc>
+                <a:tc>
+                  <a:txBody>
+                    <a:bodyPr/>
+                    <a:lstStyle/>
+                    <a:p>
+                      <a:pPr algn="ctr"/>
+                      <a:r>
+                        <a:rPr lang="it-IT" dirty="0"/>
+                        <a:t>-76</a:t>
+                      </a:r>
+                      <a:endParaRPr lang="en-GB" dirty="0"/>
+                    </a:p>
+                  </a:txBody>
+                  <a:tcPr/>
+                </a:tc>
+                <a:extLst>
+                  <a:ext uri="{0D108BD9-81ED-4DB2-BD59-A6C34878D82A}">
+                    <a16:rowId xmlns:a16="http://schemas.microsoft.com/office/drawing/2014/main" val="3654697704"/>
+                  </a:ext>
+                </a:extLst>
+              </a:tr>
+              <a:tr h="370840">
+                <a:tc>
+                  <a:txBody>
+                    <a:bodyPr/>
+                    <a:lstStyle/>
+                    <a:p>
+                      <a:pPr algn="ctr"/>
+                      <a:r>
+                        <a:rPr lang="it-IT" dirty="0" err="1"/>
+                        <a:t>Bow</a:t>
+                      </a:r>
+                      <a:endParaRPr lang="en-GB" dirty="0"/>
+                    </a:p>
+                  </a:txBody>
+                  <a:tcPr/>
+                </a:tc>
+                <a:tc>
+                  <a:txBody>
+                    <a:bodyPr/>
+                    <a:lstStyle/>
+                    <a:p>
+                      <a:pPr marL="0" marR="0" lvl="0" indent="0" algn="ctr" defTabSz="914400" rtl="0" eaLnBrk="1" fontAlgn="auto" latinLnBrk="0" hangingPunct="1">
+                        <a:lnSpc>
+                          <a:spcPct val="100000"/>
+                        </a:lnSpc>
+                        <a:spcBef>
+                          <a:spcPts val="0"/>
+                        </a:spcBef>
+                        <a:spcAft>
+                          <a:spcPts val="0"/>
+                        </a:spcAft>
+                        <a:buClrTx/>
+                        <a:buSzTx/>
+                        <a:buFontTx/>
+                        <a:buNone/>
+                        <a:tabLst/>
+                        <a:defRPr/>
+                      </a:pPr>
+                      <a:r>
+                        <a:rPr lang="it-IT" dirty="0"/>
+                        <a:t>9373/10000</a:t>
+                      </a:r>
+                      <a:endParaRPr lang="en-GB" dirty="0"/>
+                    </a:p>
+                  </a:txBody>
+                  <a:tcPr/>
+                </a:tc>
+                <a:tc>
+                  <a:txBody>
+                    <a:bodyPr/>
+                    <a:lstStyle/>
+                    <a:p>
+                      <a:pPr algn="ctr"/>
+                      <a:r>
+                        <a:rPr lang="it-IT" dirty="0"/>
+                        <a:t>-81</a:t>
+                      </a:r>
+                      <a:endParaRPr lang="en-GB" dirty="0"/>
+                    </a:p>
+                  </a:txBody>
+                  <a:tcPr/>
+                </a:tc>
+                <a:extLst>
+                  <a:ext uri="{0D108BD9-81ED-4DB2-BD59-A6C34878D82A}">
+                    <a16:rowId xmlns:a16="http://schemas.microsoft.com/office/drawing/2014/main" val="961290905"/>
+                  </a:ext>
+                </a:extLst>
+              </a:tr>
+              <a:tr h="370840">
+                <a:tc>
+                  <a:txBody>
+                    <a:bodyPr/>
+                    <a:lstStyle/>
+                    <a:p>
+                      <a:pPr algn="ctr"/>
+                      <a:r>
+                        <a:rPr lang="it-IT" dirty="0" err="1"/>
+                        <a:t>Aft</a:t>
+                      </a:r>
+                      <a:endParaRPr lang="en-GB" dirty="0"/>
+                    </a:p>
+                  </a:txBody>
+                  <a:tcPr/>
+                </a:tc>
+                <a:tc>
+                  <a:txBody>
+                    <a:bodyPr/>
+                    <a:lstStyle/>
+                    <a:p>
+                      <a:pPr algn="ctr"/>
+                      <a:r>
+                        <a:rPr lang="it-IT" dirty="0"/>
+                        <a:t>9698/10000</a:t>
+                      </a:r>
+                      <a:endParaRPr lang="en-GB" dirty="0"/>
+                    </a:p>
+                  </a:txBody>
+                  <a:tcPr/>
+                </a:tc>
+                <a:tc>
+                  <a:txBody>
+                    <a:bodyPr/>
+                    <a:lstStyle/>
+                    <a:p>
+                      <a:pPr algn="ctr"/>
+                      <a:r>
+                        <a:rPr lang="it-IT" dirty="0"/>
+                        <a:t>-84</a:t>
+                      </a:r>
+                      <a:endParaRPr lang="en-GB" dirty="0"/>
+                    </a:p>
+                  </a:txBody>
+                  <a:tcPr/>
+                </a:tc>
+                <a:extLst>
+                  <a:ext uri="{0D108BD9-81ED-4DB2-BD59-A6C34878D82A}">
+                    <a16:rowId xmlns:a16="http://schemas.microsoft.com/office/drawing/2014/main" val="1894406212"/>
+                  </a:ext>
+                </a:extLst>
+              </a:tr>
+              <a:tr h="370840">
+                <a:tc>
+                  <a:txBody>
+                    <a:bodyPr/>
+                    <a:lstStyle/>
+                    <a:p>
+                      <a:pPr algn="ctr"/>
+                      <a:r>
+                        <a:rPr lang="it-IT" dirty="0" err="1"/>
+                        <a:t>Starboard</a:t>
+                      </a:r>
+                      <a:r>
+                        <a:rPr lang="it-IT" dirty="0"/>
+                        <a:t> </a:t>
+                      </a:r>
+                      <a:r>
+                        <a:rPr lang="it-IT" dirty="0" err="1"/>
+                        <a:t>Rail</a:t>
+                      </a:r>
+                      <a:endParaRPr lang="en-GB" dirty="0"/>
+                    </a:p>
+                  </a:txBody>
+                  <a:tcPr/>
+                </a:tc>
+                <a:tc>
+                  <a:txBody>
+                    <a:bodyPr/>
+                    <a:lstStyle/>
+                    <a:p>
+                      <a:pPr marL="0" marR="0" lvl="0" indent="0" algn="ctr" defTabSz="914400" rtl="0" eaLnBrk="1" fontAlgn="auto" latinLnBrk="0" hangingPunct="1">
+                        <a:lnSpc>
+                          <a:spcPct val="100000"/>
+                        </a:lnSpc>
+                        <a:spcBef>
+                          <a:spcPts val="0"/>
+                        </a:spcBef>
+                        <a:spcAft>
+                          <a:spcPts val="0"/>
+                        </a:spcAft>
+                        <a:buClrTx/>
+                        <a:buSzTx/>
+                        <a:buFontTx/>
+                        <a:buNone/>
+                        <a:tabLst/>
+                        <a:defRPr/>
+                      </a:pPr>
+                      <a:r>
+                        <a:rPr lang="it-IT" i="0" u="none" dirty="0"/>
+                        <a:t>8595/10000</a:t>
+                      </a:r>
+                      <a:endParaRPr lang="en-GB" i="0" u="none" dirty="0"/>
+                    </a:p>
+                  </a:txBody>
+                  <a:tcPr/>
+                </a:tc>
+                <a:tc>
+                  <a:txBody>
+                    <a:bodyPr/>
+                    <a:lstStyle/>
+                    <a:p>
+                      <a:pPr algn="ctr"/>
+                      <a:r>
+                        <a:rPr lang="it-IT" dirty="0"/>
+                        <a:t>-84</a:t>
+                      </a:r>
+                      <a:endParaRPr lang="en-GB" dirty="0"/>
+                    </a:p>
+                  </a:txBody>
+                  <a:tcPr/>
+                </a:tc>
+                <a:extLst>
+                  <a:ext uri="{0D108BD9-81ED-4DB2-BD59-A6C34878D82A}">
+                    <a16:rowId xmlns:a16="http://schemas.microsoft.com/office/drawing/2014/main" val="2261516755"/>
+                  </a:ext>
+                </a:extLst>
+              </a:tr>
+            </a:tbl>
+          </a:graphicData>
+        </a:graphic>
+      </p:graphicFrame>
+    </p:spTree>
+    <p:extLst>
+      <p:ext uri="{BB962C8B-B14F-4D97-AF65-F5344CB8AC3E}">
+        <p14:creationId xmlns:p14="http://schemas.microsoft.com/office/powerpoint/2010/main" val="1205023535"/>
       </p:ext>
     </p:extLst>
   </p:cSld>

--- a/Pitch.pptx
+++ b/Pitch.pptx
@@ -11506,8 +11506,8 @@
         </p:nvSpPr>
         <p:spPr>
           <a:xfrm>
-            <a:off x="1921700" y="5636478"/>
-            <a:ext cx="9679958" cy="830997"/>
+            <a:off x="1099087" y="5468799"/>
+            <a:ext cx="9993826" cy="1200329"/>
           </a:xfrm>
           <a:prstGeom prst="rect">
             <a:avLst/>
@@ -11605,7 +11605,7 @@
           <a:p>
             <a:r>
               <a:rPr lang="it-IT" sz="2400" dirty="0"/>
-              <a:t> broadcast messaging .. (</a:t>
+              <a:t> broadcast messaging (</a:t>
             </a:r>
             <a:r>
               <a:rPr lang="it-IT" sz="2400" dirty="0" err="1"/>
@@ -11621,7 +11621,49 @@
             </a:r>
             <a:r>
               <a:rPr lang="it-IT" sz="2400" dirty="0"/>
-              <a:t>)</a:t>
+              <a:t>) .. </a:t>
+            </a:r>
+          </a:p>
+          <a:p>
+            <a:r>
+              <a:rPr lang="it-IT" sz="2400" dirty="0" err="1"/>
+              <a:t>Explicit</a:t>
+            </a:r>
+            <a:r>
+              <a:rPr lang="it-IT" sz="2400" dirty="0"/>
+              <a:t> </a:t>
+            </a:r>
+            <a:r>
+              <a:rPr lang="it-IT" sz="2400" dirty="0" err="1"/>
+              <a:t>DelayMs</a:t>
+            </a:r>
+            <a:r>
+              <a:rPr lang="it-IT" sz="2400" dirty="0"/>
+              <a:t>(.) (&gt;7ms) inside the code so «</a:t>
+            </a:r>
+            <a:r>
+              <a:rPr lang="it-IT" sz="2400" dirty="0" err="1"/>
+              <a:t>real</a:t>
+            </a:r>
+            <a:r>
+              <a:rPr lang="it-IT" sz="2400" dirty="0"/>
+              <a:t>» delay </a:t>
+            </a:r>
+            <a:r>
+              <a:rPr lang="it-IT" sz="2400" dirty="0" err="1"/>
+              <a:t>even</a:t>
+            </a:r>
+            <a:r>
+              <a:rPr lang="it-IT" sz="2400" dirty="0"/>
+              <a:t> </a:t>
+            </a:r>
+            <a:r>
+              <a:rPr lang="it-IT" sz="2400" dirty="0" err="1"/>
+              <a:t>less</a:t>
+            </a:r>
+            <a:r>
+              <a:rPr lang="it-IT" sz="2400" dirty="0"/>
+              <a:t> (&lt;0.0076)</a:t>
             </a:r>
             <a:endParaRPr lang="en-GB" sz="2400" dirty="0"/>
           </a:p>
